--- a/papers/papersForKCC/V2_논문 관련 조사 및 아이디어.pptx
+++ b/papers/papersForKCC/V2_논문 관련 조사 및 아이디어.pptx
@@ -5,7 +5,7 @@
     <p:sldMasterId id="2147483648" r:id="rId1"/>
   </p:sldMasterIdLst>
   <p:notesMasterIdLst>
-    <p:notesMasterId r:id="rId11"/>
+    <p:notesMasterId r:id="rId12"/>
   </p:notesMasterIdLst>
   <p:sldIdLst>
     <p:sldId id="256" r:id="rId2"/>
@@ -17,6 +17,7 @@
     <p:sldId id="279" r:id="rId8"/>
     <p:sldId id="280" r:id="rId9"/>
     <p:sldId id="281" r:id="rId10"/>
+    <p:sldId id="282" r:id="rId11"/>
   </p:sldIdLst>
   <p:sldSz cx="12192000" cy="6858000"/>
   <p:notesSz cx="6858000" cy="9144000"/>
@@ -1811,39 +1812,7 @@
               <a:rPr lang="ko-KR" altLang="en-US" dirty="0"/>
               <a:t>기반 접근법을 적용하면 좋을 것 같다는 생각을 했다</a:t>
             </a:r>
-            <a:r>
-              <a:rPr lang="en-US" altLang="ko-KR" dirty="0"/>
-              <a:t>.</a:t>
-            </a:r>
-          </a:p>
-          <a:p>
-            <a:pPr marL="0" indent="0">
-              <a:buNone/>
-            </a:pPr>
-            <a:r>
-              <a:rPr lang="ko-KR" altLang="en-US" dirty="0"/>
-              <a:t>이제 </a:t>
-            </a:r>
-            <a:r>
-              <a:rPr lang="ko-KR" altLang="en-US" dirty="0" err="1"/>
-              <a:t>러프한</a:t>
-            </a:r>
-            <a:r>
-              <a:rPr lang="ko-KR" altLang="en-US" dirty="0"/>
-              <a:t> 토픽은 잡은 것 같고</a:t>
-            </a:r>
-            <a:r>
-              <a:rPr lang="en-US" altLang="ko-KR" dirty="0"/>
-              <a:t>.. </a:t>
-            </a:r>
-            <a:r>
-              <a:rPr lang="ko-KR" altLang="en-US" dirty="0"/>
-              <a:t>이제는 실제 코드를 다루며 실험도 해보고 감을 잡고 싶다</a:t>
-            </a:r>
-            <a:r>
-              <a:rPr lang="en-US" altLang="ko-KR" dirty="0"/>
-              <a:t>.</a:t>
-            </a:r>
+            <a:endParaRPr lang="en-US" altLang="ko-KR" dirty="0"/>
           </a:p>
         </p:txBody>
       </p:sp>
@@ -1874,6 +1843,176 @@
     <p:extLst>
       <p:ext uri="{BB962C8B-B14F-4D97-AF65-F5344CB8AC3E}">
         <p14:creationId xmlns:p14="http://schemas.microsoft.com/office/powerpoint/2010/main" val="3310784257"/>
+      </p:ext>
+    </p:extLst>
+  </p:cSld>
+  <p:clrMapOvr>
+    <a:masterClrMapping/>
+  </p:clrMapOvr>
+</p:notes>
+</file>
+
+<file path=ppt/notesSlides/notesSlide9.xml><?xml version="1.0" encoding="utf-8"?>
+<p:notes xmlns:a="http://schemas.openxmlformats.org/drawingml/2006/main" xmlns:r="http://schemas.openxmlformats.org/officeDocument/2006/relationships" xmlns:p="http://schemas.openxmlformats.org/presentationml/2006/main">
+  <p:cSld>
+    <p:spTree>
+      <p:nvGrpSpPr>
+        <p:cNvPr id="1" name=""/>
+        <p:cNvGrpSpPr/>
+        <p:nvPr/>
+      </p:nvGrpSpPr>
+      <p:grpSpPr>
+        <a:xfrm>
+          <a:off x="0" y="0"/>
+          <a:ext cx="0" cy="0"/>
+          <a:chOff x="0" y="0"/>
+          <a:chExt cx="0" cy="0"/>
+        </a:xfrm>
+      </p:grpSpPr>
+      <p:sp>
+        <p:nvSpPr>
+          <p:cNvPr id="2" name="슬라이드 이미지 개체 틀 1"/>
+          <p:cNvSpPr>
+            <a:spLocks noGrp="1" noRot="1" noChangeAspect="1"/>
+          </p:cNvSpPr>
+          <p:nvPr>
+            <p:ph type="sldImg"/>
+          </p:nvPr>
+        </p:nvSpPr>
+        <p:spPr/>
+      </p:sp>
+      <p:sp>
+        <p:nvSpPr>
+          <p:cNvPr id="3" name="슬라이드 노트 개체 틀 2"/>
+          <p:cNvSpPr>
+            <a:spLocks noGrp="1"/>
+          </p:cNvSpPr>
+          <p:nvPr>
+            <p:ph type="body" idx="1"/>
+          </p:nvPr>
+        </p:nvSpPr>
+        <p:spPr/>
+        <p:txBody>
+          <a:bodyPr/>
+          <a:lstStyle/>
+          <a:p>
+            <a:pPr marL="228600" indent="-228600">
+              <a:buAutoNum type="arabicPeriod"/>
+            </a:pPr>
+            <a:r>
+              <a:rPr lang="ko-KR" altLang="en-US" dirty="0"/>
+              <a:t>적용 가능한 모델</a:t>
+            </a:r>
+            <a:endParaRPr lang="en-US" altLang="ko-KR" dirty="0"/>
+          </a:p>
+          <a:p>
+            <a:pPr marL="685800" lvl="1" indent="-228600">
+              <a:buAutoNum type="arabicPeriod"/>
+            </a:pPr>
+            <a:r>
+              <a:rPr lang="en-US" altLang="ko-KR" dirty="0"/>
+              <a:t> FIRE =&gt; incremental</a:t>
+            </a:r>
+            <a:r>
+              <a:rPr lang="ko-KR" altLang="en-US" dirty="0"/>
+              <a:t> </a:t>
+            </a:r>
+            <a:r>
+              <a:rPr lang="en-US" altLang="ko-KR" dirty="0"/>
+              <a:t>+</a:t>
+            </a:r>
+            <a:r>
+              <a:rPr lang="ko-KR" altLang="en-US" dirty="0"/>
+              <a:t> </a:t>
+            </a:r>
+            <a:r>
+              <a:rPr lang="en-US" altLang="ko-KR" dirty="0"/>
+              <a:t>graph</a:t>
+            </a:r>
+            <a:r>
+              <a:rPr lang="ko-KR" altLang="en-US" dirty="0"/>
+              <a:t> </a:t>
+            </a:r>
+            <a:r>
+              <a:rPr lang="en-US" altLang="ko-KR" dirty="0"/>
+              <a:t>signal</a:t>
+            </a:r>
+            <a:r>
+              <a:rPr lang="ko-KR" altLang="en-US" dirty="0"/>
+              <a:t> </a:t>
+            </a:r>
+            <a:r>
+              <a:rPr lang="en-US" altLang="ko-KR" dirty="0"/>
+              <a:t>rec</a:t>
+            </a:r>
+          </a:p>
+          <a:p>
+            <a:pPr marL="685800" lvl="1" indent="-228600">
+              <a:buAutoNum type="arabicPeriod"/>
+            </a:pPr>
+            <a:r>
+              <a:rPr lang="en-US" altLang="ko-KR" dirty="0"/>
+              <a:t>Sequential</a:t>
+            </a:r>
+          </a:p>
+          <a:p>
+            <a:pPr marL="228600" indent="-228600">
+              <a:buAutoNum type="arabicPeriod"/>
+            </a:pPr>
+            <a:r>
+              <a:rPr lang="en-US" altLang="ko-KR" dirty="0" err="1"/>
+              <a:t>graphSAIL</a:t>
+            </a:r>
+            <a:r>
+              <a:rPr lang="en-US" altLang="ko-KR" dirty="0"/>
+              <a:t> (</a:t>
+            </a:r>
+            <a:r>
+              <a:rPr lang="ko-KR" altLang="en-US" dirty="0"/>
+              <a:t>직접 개발</a:t>
+            </a:r>
+            <a:r>
+              <a:rPr lang="en-US" altLang="ko-KR" dirty="0"/>
+              <a:t>, </a:t>
+            </a:r>
+            <a:r>
+              <a:rPr lang="ko-KR" altLang="en-US" dirty="0"/>
+              <a:t>시간 필요</a:t>
+            </a:r>
+            <a:r>
+              <a:rPr lang="en-US" altLang="ko-KR" dirty="0"/>
+              <a:t>)</a:t>
+            </a:r>
+          </a:p>
+        </p:txBody>
+      </p:sp>
+      <p:sp>
+        <p:nvSpPr>
+          <p:cNvPr id="4" name="슬라이드 번호 개체 틀 3"/>
+          <p:cNvSpPr>
+            <a:spLocks noGrp="1"/>
+          </p:cNvSpPr>
+          <p:nvPr>
+            <p:ph type="sldNum" sz="quarter" idx="5"/>
+          </p:nvPr>
+        </p:nvSpPr>
+        <p:spPr/>
+        <p:txBody>
+          <a:bodyPr/>
+          <a:lstStyle/>
+          <a:p>
+            <a:fld id="{E3508E54-26A4-461A-9177-07CC1B35B5F2}" type="slidenum">
+              <a:rPr lang="ko-KR" altLang="en-US" smtClean="0"/>
+              <a:t>10</a:t>
+            </a:fld>
+            <a:endParaRPr lang="ko-KR" altLang="en-US"/>
+          </a:p>
+        </p:txBody>
+      </p:sp>
+    </p:spTree>
+    <p:extLst>
+      <p:ext uri="{BB962C8B-B14F-4D97-AF65-F5344CB8AC3E}">
+        <p14:creationId xmlns:p14="http://schemas.microsoft.com/office/powerpoint/2010/main" val="1774235119"/>
       </p:ext>
     </p:extLst>
   </p:cSld>
@@ -6159,6 +6298,423 @@
     <p:extLst>
       <p:ext uri="{BB962C8B-B14F-4D97-AF65-F5344CB8AC3E}">
         <p14:creationId xmlns:p14="http://schemas.microsoft.com/office/powerpoint/2010/main" val="3494525999"/>
+      </p:ext>
+    </p:extLst>
+  </p:cSld>
+  <p:clrMapOvr>
+    <a:masterClrMapping/>
+  </p:clrMapOvr>
+</p:sld>
+</file>
+
+<file path=ppt/slides/slide10.xml><?xml version="1.0" encoding="utf-8"?>
+<p:sld xmlns:a="http://schemas.openxmlformats.org/drawingml/2006/main" xmlns:r="http://schemas.openxmlformats.org/officeDocument/2006/relationships" xmlns:p="http://schemas.openxmlformats.org/presentationml/2006/main">
+  <p:cSld>
+    <p:spTree>
+      <p:nvGrpSpPr>
+        <p:cNvPr id="1" name=""/>
+        <p:cNvGrpSpPr/>
+        <p:nvPr/>
+      </p:nvGrpSpPr>
+      <p:grpSpPr>
+        <a:xfrm>
+          <a:off x="0" y="0"/>
+          <a:ext cx="0" cy="0"/>
+          <a:chOff x="0" y="0"/>
+          <a:chExt cx="0" cy="0"/>
+        </a:xfrm>
+      </p:grpSpPr>
+      <p:sp>
+        <p:nvSpPr>
+          <p:cNvPr id="2" name="제목 1">
+            <a:extLst>
+              <a:ext uri="{FF2B5EF4-FFF2-40B4-BE49-F238E27FC236}">
+                <a16:creationId xmlns:a16="http://schemas.microsoft.com/office/drawing/2014/main" id="{95CB7AEF-6056-404F-8222-D7A0008FE999}"/>
+              </a:ext>
+            </a:extLst>
+          </p:cNvPr>
+          <p:cNvSpPr>
+            <a:spLocks noGrp="1"/>
+          </p:cNvSpPr>
+          <p:nvPr>
+            <p:ph type="title"/>
+          </p:nvPr>
+        </p:nvSpPr>
+        <p:spPr/>
+        <p:txBody>
+          <a:bodyPr>
+            <a:normAutofit/>
+          </a:bodyPr>
+          <a:lstStyle/>
+          <a:p>
+            <a:pPr marL="432000" indent="-432000">
+              <a:lnSpc>
+                <a:spcPct val="100000"/>
+              </a:lnSpc>
+              <a:buClr>
+                <a:srgbClr val="004F9E"/>
+              </a:buClr>
+              <a:buFont typeface="Wingdings" panose="05000000000000000000" pitchFamily="2" charset="2"/>
+              <a:buChar char="§"/>
+            </a:pPr>
+            <a:r>
+              <a:rPr lang="en-US" altLang="ko-KR" sz="3600" dirty="0">
+                <a:solidFill>
+                  <a:schemeClr val="tx1">
+                    <a:lumMod val="85000"/>
+                    <a:lumOff val="15000"/>
+                  </a:schemeClr>
+                </a:solidFill>
+                <a:latin typeface="나눔스퀘어 ExtraBold" panose="020B0600000101010101" pitchFamily="50" charset="-127"/>
+                <a:ea typeface="나눔스퀘어 ExtraBold" panose="020B0600000101010101" pitchFamily="50" charset="-127"/>
+                <a:cs typeface="Arial" panose="020B0604020202020204" pitchFamily="34" charset="0"/>
+              </a:rPr>
+              <a:t>KCC</a:t>
+            </a:r>
+            <a:r>
+              <a:rPr lang="ko-KR" altLang="en-US" sz="3600" dirty="0">
+                <a:solidFill>
+                  <a:schemeClr val="tx1">
+                    <a:lumMod val="85000"/>
+                    <a:lumOff val="15000"/>
+                  </a:schemeClr>
+                </a:solidFill>
+                <a:latin typeface="나눔스퀘어 ExtraBold" panose="020B0600000101010101" pitchFamily="50" charset="-127"/>
+                <a:ea typeface="나눔스퀘어 ExtraBold" panose="020B0600000101010101" pitchFamily="50" charset="-127"/>
+                <a:cs typeface="Arial" panose="020B0604020202020204" pitchFamily="34" charset="0"/>
+              </a:rPr>
+              <a:t> 추가 실험 관련</a:t>
+            </a:r>
+            <a:endParaRPr lang="en-US" altLang="ko-KR" sz="3600" dirty="0">
+              <a:solidFill>
+                <a:schemeClr val="tx1">
+                  <a:lumMod val="85000"/>
+                  <a:lumOff val="15000"/>
+                </a:schemeClr>
+              </a:solidFill>
+              <a:latin typeface="나눔스퀘어 ExtraBold" panose="020B0600000101010101" pitchFamily="50" charset="-127"/>
+              <a:ea typeface="나눔스퀘어 ExtraBold" panose="020B0600000101010101" pitchFamily="50" charset="-127"/>
+              <a:cs typeface="Arial" panose="020B0604020202020204" pitchFamily="34" charset="0"/>
+            </a:endParaRPr>
+          </a:p>
+        </p:txBody>
+      </p:sp>
+      <p:sp>
+        <p:nvSpPr>
+          <p:cNvPr id="3" name="내용 개체 틀 2">
+            <a:extLst>
+              <a:ext uri="{FF2B5EF4-FFF2-40B4-BE49-F238E27FC236}">
+                <a16:creationId xmlns:a16="http://schemas.microsoft.com/office/drawing/2014/main" id="{6F3C4966-F49A-47DB-93D9-018CD3BE693E}"/>
+              </a:ext>
+            </a:extLst>
+          </p:cNvPr>
+          <p:cNvSpPr>
+            <a:spLocks noGrp="1"/>
+          </p:cNvSpPr>
+          <p:nvPr>
+            <p:ph idx="1"/>
+          </p:nvPr>
+        </p:nvSpPr>
+        <p:spPr>
+          <a:xfrm>
+            <a:off x="990600" y="1690688"/>
+            <a:ext cx="10515600" cy="4351338"/>
+          </a:xfrm>
+        </p:spPr>
+        <p:txBody>
+          <a:bodyPr>
+            <a:normAutofit/>
+          </a:bodyPr>
+          <a:lstStyle/>
+          <a:p>
+            <a:pPr marL="432000" indent="-432000">
+              <a:lnSpc>
+                <a:spcPct val="100000"/>
+              </a:lnSpc>
+              <a:buClr>
+                <a:srgbClr val="004F9E"/>
+              </a:buClr>
+              <a:buFont typeface="Wingdings" panose="05000000000000000000" pitchFamily="2" charset="2"/>
+              <a:buChar char="§"/>
+            </a:pPr>
+            <a:r>
+              <a:rPr lang="en-US" altLang="ko-KR" sz="2000" dirty="0">
+                <a:solidFill>
+                  <a:schemeClr val="tx1">
+                    <a:lumMod val="85000"/>
+                    <a:lumOff val="15000"/>
+                  </a:schemeClr>
+                </a:solidFill>
+                <a:latin typeface="나눔스퀘어 ExtraBold" panose="020B0600000101010101" pitchFamily="50" charset="-127"/>
+                <a:ea typeface="나눔스퀘어 ExtraBold" panose="020B0600000101010101" pitchFamily="50" charset="-127"/>
+                <a:cs typeface="Arial" panose="020B0604020202020204" pitchFamily="34" charset="0"/>
+              </a:rPr>
+              <a:t>CL + </a:t>
+            </a:r>
+            <a:r>
+              <a:rPr lang="en-US" altLang="ko-KR" sz="2000" dirty="0" err="1">
+                <a:solidFill>
+                  <a:schemeClr val="tx1">
+                    <a:lumMod val="85000"/>
+                    <a:lumOff val="15000"/>
+                  </a:schemeClr>
+                </a:solidFill>
+                <a:latin typeface="나눔스퀘어 ExtraBold" panose="020B0600000101010101" pitchFamily="50" charset="-127"/>
+                <a:ea typeface="나눔스퀘어 ExtraBold" panose="020B0600000101010101" pitchFamily="50" charset="-127"/>
+                <a:cs typeface="Arial" panose="020B0604020202020204" pitchFamily="34" charset="0"/>
+              </a:rPr>
+              <a:t>Recsys</a:t>
+            </a:r>
+            <a:endParaRPr lang="en-US" altLang="ko-KR" sz="2000" dirty="0">
+              <a:solidFill>
+                <a:schemeClr val="tx1">
+                  <a:lumMod val="85000"/>
+                  <a:lumOff val="15000"/>
+                </a:schemeClr>
+              </a:solidFill>
+              <a:latin typeface="나눔스퀘어 ExtraBold" panose="020B0600000101010101" pitchFamily="50" charset="-127"/>
+              <a:ea typeface="나눔스퀘어 ExtraBold" panose="020B0600000101010101" pitchFamily="50" charset="-127"/>
+              <a:cs typeface="Arial" panose="020B0604020202020204" pitchFamily="34" charset="0"/>
+            </a:endParaRPr>
+          </a:p>
+          <a:p>
+            <a:pPr marL="889200" lvl="1" indent="-432000">
+              <a:lnSpc>
+                <a:spcPct val="100000"/>
+              </a:lnSpc>
+              <a:buClr>
+                <a:srgbClr val="004F9E"/>
+              </a:buClr>
+              <a:buFont typeface="Wingdings" panose="05000000000000000000" pitchFamily="2" charset="2"/>
+              <a:buChar char="§"/>
+            </a:pPr>
+            <a:r>
+              <a:rPr lang="en-US" altLang="ko-KR" sz="1600" dirty="0">
+                <a:solidFill>
+                  <a:schemeClr val="tx1">
+                    <a:lumMod val="85000"/>
+                    <a:lumOff val="15000"/>
+                  </a:schemeClr>
+                </a:solidFill>
+                <a:latin typeface="나눔스퀘어 ExtraBold" panose="020B0600000101010101" pitchFamily="50" charset="-127"/>
+                <a:ea typeface="나눔스퀘어 ExtraBold" panose="020B0600000101010101" pitchFamily="50" charset="-127"/>
+                <a:cs typeface="Arial" panose="020B0604020202020204" pitchFamily="34" charset="0"/>
+              </a:rPr>
+              <a:t>1. </a:t>
+            </a:r>
+            <a:r>
+              <a:rPr lang="ko-KR" altLang="en-US" sz="1600" dirty="0">
+                <a:solidFill>
+                  <a:schemeClr val="tx1">
+                    <a:lumMod val="85000"/>
+                    <a:lumOff val="15000"/>
+                  </a:schemeClr>
+                </a:solidFill>
+                <a:latin typeface="나눔스퀘어 ExtraBold" panose="020B0600000101010101" pitchFamily="50" charset="-127"/>
+                <a:ea typeface="나눔스퀘어 ExtraBold" panose="020B0600000101010101" pitchFamily="50" charset="-127"/>
+                <a:cs typeface="Arial" panose="020B0604020202020204" pitchFamily="34" charset="0"/>
+              </a:rPr>
+              <a:t>적용 가능한 모델</a:t>
+            </a:r>
+            <a:endParaRPr lang="en-US" altLang="ko-KR" sz="1600" dirty="0">
+              <a:solidFill>
+                <a:schemeClr val="tx1">
+                  <a:lumMod val="85000"/>
+                  <a:lumOff val="15000"/>
+                </a:schemeClr>
+              </a:solidFill>
+              <a:latin typeface="나눔스퀘어 ExtraBold" panose="020B0600000101010101" pitchFamily="50" charset="-127"/>
+              <a:ea typeface="나눔스퀘어 ExtraBold" panose="020B0600000101010101" pitchFamily="50" charset="-127"/>
+              <a:cs typeface="Arial" panose="020B0604020202020204" pitchFamily="34" charset="0"/>
+            </a:endParaRPr>
+          </a:p>
+          <a:p>
+            <a:pPr marL="1346400" lvl="2" indent="-432000">
+              <a:lnSpc>
+                <a:spcPct val="100000"/>
+              </a:lnSpc>
+              <a:buClr>
+                <a:srgbClr val="004F9E"/>
+              </a:buClr>
+              <a:buFont typeface="Wingdings" panose="05000000000000000000" pitchFamily="2" charset="2"/>
+              <a:buChar char="§"/>
+            </a:pPr>
+            <a:r>
+              <a:rPr lang="en-US" altLang="ko-KR" sz="1600" dirty="0">
+                <a:solidFill>
+                  <a:schemeClr val="tx1">
+                    <a:lumMod val="85000"/>
+                    <a:lumOff val="15000"/>
+                  </a:schemeClr>
+                </a:solidFill>
+                <a:latin typeface="나눔스퀘어 ExtraBold" panose="020B0600000101010101" pitchFamily="50" charset="-127"/>
+                <a:ea typeface="나눔스퀘어 ExtraBold" panose="020B0600000101010101" pitchFamily="50" charset="-127"/>
+                <a:cs typeface="Arial" panose="020B0604020202020204" pitchFamily="34" charset="0"/>
+              </a:rPr>
+              <a:t>FIRE</a:t>
+            </a:r>
+          </a:p>
+          <a:p>
+            <a:pPr marL="1346400" lvl="2" indent="-432000">
+              <a:lnSpc>
+                <a:spcPct val="100000"/>
+              </a:lnSpc>
+              <a:buClr>
+                <a:srgbClr val="004F9E"/>
+              </a:buClr>
+              <a:buFont typeface="Wingdings" panose="05000000000000000000" pitchFamily="2" charset="2"/>
+              <a:buChar char="§"/>
+            </a:pPr>
+            <a:r>
+              <a:rPr lang="en-US" altLang="ko-KR" sz="1600">
+                <a:solidFill>
+                  <a:schemeClr val="tx1">
+                    <a:lumMod val="85000"/>
+                    <a:lumOff val="15000"/>
+                  </a:schemeClr>
+                </a:solidFill>
+                <a:latin typeface="나눔스퀘어 ExtraBold" panose="020B0600000101010101" pitchFamily="50" charset="-127"/>
+                <a:ea typeface="나눔스퀘어 ExtraBold" panose="020B0600000101010101" pitchFamily="50" charset="-127"/>
+                <a:cs typeface="Arial" panose="020B0604020202020204" pitchFamily="34" charset="0"/>
+              </a:rPr>
+              <a:t>Sequential model</a:t>
+            </a:r>
+            <a:endParaRPr lang="en-US" altLang="ko-KR" sz="1600" dirty="0">
+              <a:solidFill>
+                <a:schemeClr val="tx1">
+                  <a:lumMod val="85000"/>
+                  <a:lumOff val="15000"/>
+                </a:schemeClr>
+              </a:solidFill>
+              <a:latin typeface="나눔스퀘어 ExtraBold" panose="020B0600000101010101" pitchFamily="50" charset="-127"/>
+              <a:ea typeface="나눔스퀘어 ExtraBold" panose="020B0600000101010101" pitchFamily="50" charset="-127"/>
+              <a:cs typeface="Arial" panose="020B0604020202020204" pitchFamily="34" charset="0"/>
+            </a:endParaRPr>
+          </a:p>
+          <a:p>
+            <a:pPr marL="889200" lvl="1" indent="-432000">
+              <a:lnSpc>
+                <a:spcPct val="100000"/>
+              </a:lnSpc>
+              <a:buClr>
+                <a:srgbClr val="004F9E"/>
+              </a:buClr>
+              <a:buFont typeface="Wingdings" panose="05000000000000000000" pitchFamily="2" charset="2"/>
+              <a:buChar char="§"/>
+            </a:pPr>
+            <a:r>
+              <a:rPr lang="en-US" altLang="ko-KR" sz="1600" dirty="0">
+                <a:solidFill>
+                  <a:schemeClr val="tx1">
+                    <a:lumMod val="85000"/>
+                    <a:lumOff val="15000"/>
+                  </a:schemeClr>
+                </a:solidFill>
+                <a:latin typeface="나눔스퀘어 ExtraBold" panose="020B0600000101010101" pitchFamily="50" charset="-127"/>
+                <a:ea typeface="나눔스퀘어 ExtraBold" panose="020B0600000101010101" pitchFamily="50" charset="-127"/>
+                <a:cs typeface="Arial" panose="020B0604020202020204" pitchFamily="34" charset="0"/>
+              </a:rPr>
+              <a:t>2. </a:t>
+            </a:r>
+            <a:r>
+              <a:rPr lang="ko-KR" altLang="en-US" sz="1600" dirty="0">
+                <a:solidFill>
+                  <a:schemeClr val="tx1">
+                    <a:lumMod val="85000"/>
+                    <a:lumOff val="15000"/>
+                  </a:schemeClr>
+                </a:solidFill>
+                <a:latin typeface="나눔스퀘어 ExtraBold" panose="020B0600000101010101" pitchFamily="50" charset="-127"/>
+                <a:ea typeface="나눔스퀘어 ExtraBold" panose="020B0600000101010101" pitchFamily="50" charset="-127"/>
+                <a:cs typeface="Arial" panose="020B0604020202020204" pitchFamily="34" charset="0"/>
+              </a:rPr>
+              <a:t>구현하는 모델</a:t>
+            </a:r>
+            <a:endParaRPr lang="en-US" altLang="ko-KR" sz="1600" dirty="0">
+              <a:solidFill>
+                <a:schemeClr val="tx1">
+                  <a:lumMod val="85000"/>
+                  <a:lumOff val="15000"/>
+                </a:schemeClr>
+              </a:solidFill>
+              <a:latin typeface="나눔스퀘어 ExtraBold" panose="020B0600000101010101" pitchFamily="50" charset="-127"/>
+              <a:ea typeface="나눔스퀘어 ExtraBold" panose="020B0600000101010101" pitchFamily="50" charset="-127"/>
+              <a:cs typeface="Arial" panose="020B0604020202020204" pitchFamily="34" charset="0"/>
+            </a:endParaRPr>
+          </a:p>
+          <a:p>
+            <a:pPr marL="1346400" lvl="2" indent="-432000">
+              <a:lnSpc>
+                <a:spcPct val="100000"/>
+              </a:lnSpc>
+              <a:buClr>
+                <a:srgbClr val="004F9E"/>
+              </a:buClr>
+              <a:buFont typeface="Wingdings" panose="05000000000000000000" pitchFamily="2" charset="2"/>
+              <a:buChar char="§"/>
+            </a:pPr>
+            <a:r>
+              <a:rPr lang="en-US" altLang="ko-KR" sz="1600" dirty="0" err="1">
+                <a:solidFill>
+                  <a:schemeClr val="tx1">
+                    <a:lumMod val="85000"/>
+                    <a:lumOff val="15000"/>
+                  </a:schemeClr>
+                </a:solidFill>
+                <a:latin typeface="나눔스퀘어 ExtraBold" panose="020B0600000101010101" pitchFamily="50" charset="-127"/>
+                <a:ea typeface="나눔스퀘어 ExtraBold" panose="020B0600000101010101" pitchFamily="50" charset="-127"/>
+                <a:cs typeface="Arial" panose="020B0604020202020204" pitchFamily="34" charset="0"/>
+              </a:rPr>
+              <a:t>GraphSAIL</a:t>
+            </a:r>
+            <a:endParaRPr lang="en-US" altLang="ko-KR" sz="1600" dirty="0">
+              <a:solidFill>
+                <a:schemeClr val="tx1">
+                  <a:lumMod val="85000"/>
+                  <a:lumOff val="15000"/>
+                </a:schemeClr>
+              </a:solidFill>
+              <a:latin typeface="나눔스퀘어 ExtraBold" panose="020B0600000101010101" pitchFamily="50" charset="-127"/>
+              <a:ea typeface="나눔스퀘어 ExtraBold" panose="020B0600000101010101" pitchFamily="50" charset="-127"/>
+              <a:cs typeface="Arial" panose="020B0604020202020204" pitchFamily="34" charset="0"/>
+            </a:endParaRPr>
+          </a:p>
+        </p:txBody>
+      </p:sp>
+      <p:sp>
+        <p:nvSpPr>
+          <p:cNvPr id="4" name="슬라이드 번호 개체 틀 3">
+            <a:extLst>
+              <a:ext uri="{FF2B5EF4-FFF2-40B4-BE49-F238E27FC236}">
+                <a16:creationId xmlns:a16="http://schemas.microsoft.com/office/drawing/2014/main" id="{4705CCFD-CA4E-4794-89D0-C3DF4603C893}"/>
+              </a:ext>
+            </a:extLst>
+          </p:cNvPr>
+          <p:cNvSpPr>
+            <a:spLocks noGrp="1"/>
+          </p:cNvSpPr>
+          <p:nvPr>
+            <p:ph type="sldNum" sz="quarter" idx="12"/>
+          </p:nvPr>
+        </p:nvSpPr>
+        <p:spPr/>
+        <p:txBody>
+          <a:bodyPr/>
+          <a:lstStyle/>
+          <a:p>
+            <a:fld id="{16A93642-25BD-4471-A422-0159119E9512}" type="slidenum">
+              <a:rPr lang="ko-KR" altLang="en-US" smtClean="0"/>
+              <a:pPr/>
+              <a:t>10</a:t>
+            </a:fld>
+            <a:endParaRPr lang="ko-KR" altLang="en-US" dirty="0"/>
+          </a:p>
+        </p:txBody>
+      </p:sp>
+    </p:spTree>
+    <p:extLst>
+      <p:ext uri="{BB962C8B-B14F-4D97-AF65-F5344CB8AC3E}">
+        <p14:creationId xmlns:p14="http://schemas.microsoft.com/office/powerpoint/2010/main" val="2385917466"/>
       </p:ext>
     </p:extLst>
   </p:cSld>
@@ -8914,32 +9470,6 @@
                 <a:cs typeface="Arial" panose="020B0604020202020204" pitchFamily="34" charset="0"/>
               </a:rPr>
               <a:t>.</a:t>
-            </a:r>
-          </a:p>
-          <a:p>
-            <a:pPr marL="432000" indent="-432000">
-              <a:lnSpc>
-                <a:spcPct val="100000"/>
-              </a:lnSpc>
-              <a:buClr>
-                <a:srgbClr val="004F9E"/>
-              </a:buClr>
-              <a:buFont typeface="Wingdings" panose="05000000000000000000" pitchFamily="2" charset="2"/>
-              <a:buChar char="§"/>
-            </a:pPr>
-            <a:r>
-              <a:rPr lang="en-US" altLang="ko-KR" sz="2000" dirty="0">
-                <a:solidFill>
-                  <a:schemeClr val="tx1">
-                    <a:lumMod val="85000"/>
-                    <a:lumOff val="15000"/>
-                  </a:schemeClr>
-                </a:solidFill>
-                <a:latin typeface="나눔스퀘어 ExtraBold" panose="020B0600000101010101" pitchFamily="50" charset="-127"/>
-                <a:ea typeface="나눔스퀘어 ExtraBold" panose="020B0600000101010101" pitchFamily="50" charset="-127"/>
-                <a:cs typeface="Arial" panose="020B0604020202020204" pitchFamily="34" charset="0"/>
-              </a:rPr>
-              <a:t>Now, I’ve set up a rough topic. And I want to analyze and experiment with the code and get real feel.</a:t>
             </a:r>
           </a:p>
         </p:txBody>
